--- a/GAM340/04/programming/2019-20-GAM340-04-programming-workshop.pptx
+++ b/GAM340/04/programming/2019-20-GAM340-04-programming-workshop.pptx
@@ -5,10 +5,10 @@
     <p:sldMasterId id="2147483648" r:id="rId1"/>
   </p:sldMasterIdLst>
   <p:notesMasterIdLst>
-    <p:notesMasterId r:id="rId15"/>
+    <p:notesMasterId r:id="rId18"/>
   </p:notesMasterIdLst>
   <p:handoutMasterIdLst>
-    <p:handoutMasterId r:id="rId16"/>
+    <p:handoutMasterId r:id="rId19"/>
   </p:handoutMasterIdLst>
   <p:sldIdLst>
     <p:sldId id="257" r:id="rId2"/>
@@ -22,8 +22,11 @@
     <p:sldId id="434" r:id="rId10"/>
     <p:sldId id="435" r:id="rId11"/>
     <p:sldId id="438" r:id="rId12"/>
-    <p:sldId id="436" r:id="rId13"/>
-    <p:sldId id="437" r:id="rId14"/>
+    <p:sldId id="439" r:id="rId13"/>
+    <p:sldId id="440" r:id="rId14"/>
+    <p:sldId id="441" r:id="rId15"/>
+    <p:sldId id="436" r:id="rId16"/>
+    <p:sldId id="437" r:id="rId17"/>
   </p:sldIdLst>
   <p:sldSz cx="9144000" cy="6858000" type="screen4x3"/>
   <p:notesSz cx="7315200" cy="9601200"/>
@@ -246,7 +249,7 @@
             <a:fld id="{134C908B-E4CF-4B88-8994-49C91B4DAC10}" type="datetimeFigureOut">
               <a:rPr lang="en-US" smtClean="0"/>
               <a:pPr/>
-              <a:t>10/8/19</a:t>
+              <a:t>10/9/19</a:t>
             </a:fld>
             <a:endParaRPr lang="en-US"/>
           </a:p>
@@ -408,7 +411,7 @@
             <a:fld id="{FCD4ED34-E2A7-4A73-B53B-08CB721EE63F}" type="datetimeFigureOut">
               <a:rPr lang="en-US" smtClean="0"/>
               <a:pPr/>
-              <a:t>10/8/19</a:t>
+              <a:t>10/9/19</a:t>
             </a:fld>
             <a:endParaRPr lang="en-GB"/>
           </a:p>
@@ -871,7 +874,7 @@
             <a:fld id="{24C0EDFE-3590-4448-BF7B-7FB41E82085F}" type="datetimeFigureOut">
               <a:rPr lang="en-US" smtClean="0"/>
               <a:pPr/>
-              <a:t>10/8/19</a:t>
+              <a:t>10/9/19</a:t>
             </a:fld>
             <a:endParaRPr lang="en-US" dirty="0"/>
           </a:p>
@@ -1060,7 +1063,7 @@
             <a:fld id="{24C0EDFE-3590-4448-BF7B-7FB41E82085F}" type="datetimeFigureOut">
               <a:rPr lang="en-US" smtClean="0"/>
               <a:pPr/>
-              <a:t>10/8/19</a:t>
+              <a:t>10/9/19</a:t>
             </a:fld>
             <a:endParaRPr lang="en-US" dirty="0"/>
           </a:p>
@@ -1238,7 +1241,7 @@
             <a:fld id="{24C0EDFE-3590-4448-BF7B-7FB41E82085F}" type="datetimeFigureOut">
               <a:rPr lang="en-US" smtClean="0"/>
               <a:pPr/>
-              <a:t>10/8/19</a:t>
+              <a:t>10/9/19</a:t>
             </a:fld>
             <a:endParaRPr lang="en-US" dirty="0"/>
           </a:p>
@@ -1487,7 +1490,7 @@
             <a:fld id="{24C0EDFE-3590-4448-BF7B-7FB41E82085F}" type="datetimeFigureOut">
               <a:rPr lang="en-US" smtClean="0"/>
               <a:pPr/>
-              <a:t>10/8/19</a:t>
+              <a:t>10/9/19</a:t>
             </a:fld>
             <a:endParaRPr lang="en-US" dirty="0"/>
           </a:p>
@@ -1809,7 +1812,7 @@
             <a:fld id="{24C0EDFE-3590-4448-BF7B-7FB41E82085F}" type="datetimeFigureOut">
               <a:rPr lang="en-US" smtClean="0"/>
               <a:pPr/>
-              <a:t>10/8/19</a:t>
+              <a:t>10/9/19</a:t>
             </a:fld>
             <a:endParaRPr lang="en-US" dirty="0"/>
           </a:p>
@@ -2115,7 +2118,7 @@
             <a:fld id="{24C0EDFE-3590-4448-BF7B-7FB41E82085F}" type="datetimeFigureOut">
               <a:rPr lang="en-US" smtClean="0"/>
               <a:pPr/>
-              <a:t>10/8/19</a:t>
+              <a:t>10/9/19</a:t>
             </a:fld>
             <a:endParaRPr lang="en-US" dirty="0"/>
           </a:p>
@@ -2539,7 +2542,7 @@
             <a:fld id="{24C0EDFE-3590-4448-BF7B-7FB41E82085F}" type="datetimeFigureOut">
               <a:rPr lang="en-US" smtClean="0"/>
               <a:pPr/>
-              <a:t>10/8/19</a:t>
+              <a:t>10/9/19</a:t>
             </a:fld>
             <a:endParaRPr lang="en-US" dirty="0"/>
           </a:p>
@@ -2661,7 +2664,7 @@
             <a:fld id="{24C0EDFE-3590-4448-BF7B-7FB41E82085F}" type="datetimeFigureOut">
               <a:rPr lang="en-US" smtClean="0"/>
               <a:pPr/>
-              <a:t>10/8/19</a:t>
+              <a:t>10/9/19</a:t>
             </a:fld>
             <a:endParaRPr lang="en-US" dirty="0"/>
           </a:p>
@@ -2753,7 +2756,7 @@
             <a:fld id="{24C0EDFE-3590-4448-BF7B-7FB41E82085F}" type="datetimeFigureOut">
               <a:rPr lang="en-US" smtClean="0"/>
               <a:pPr/>
-              <a:t>10/8/19</a:t>
+              <a:t>10/9/19</a:t>
             </a:fld>
             <a:endParaRPr lang="en-US" dirty="0"/>
           </a:p>
@@ -3028,7 +3031,7 @@
             <a:fld id="{24C0EDFE-3590-4448-BF7B-7FB41E82085F}" type="datetimeFigureOut">
               <a:rPr lang="en-US" smtClean="0"/>
               <a:pPr/>
-              <a:t>10/8/19</a:t>
+              <a:t>10/9/19</a:t>
             </a:fld>
             <a:endParaRPr lang="en-US" dirty="0"/>
           </a:p>
@@ -3280,7 +3283,7 @@
             <a:fld id="{24C0EDFE-3590-4448-BF7B-7FB41E82085F}" type="datetimeFigureOut">
               <a:rPr lang="en-US" smtClean="0"/>
               <a:pPr/>
-              <a:t>10/8/19</a:t>
+              <a:t>10/9/19</a:t>
             </a:fld>
             <a:endParaRPr lang="en-US" dirty="0"/>
           </a:p>
@@ -3457,7 +3460,7 @@
             <a:fld id="{24C0EDFE-3590-4448-BF7B-7FB41E82085F}" type="datetimeFigureOut">
               <a:rPr lang="en-US" smtClean="0"/>
               <a:pPr/>
-              <a:t>10/8/19</a:t>
+              <a:t>10/9/19</a:t>
             </a:fld>
             <a:endParaRPr lang="en-US" dirty="0"/>
           </a:p>
@@ -4457,6 +4460,13 @@
             <a:pPr lvl="2"/>
             <a:r>
               <a:rPr lang="en-GB" dirty="0"/>
+              <a:t>A very common interview question</a:t>
+            </a:r>
+          </a:p>
+          <a:p>
+            <a:pPr lvl="2"/>
+            <a:r>
+              <a:rPr lang="en-GB" dirty="0"/>
               <a:t>Not a feature in C#, but used extensively in C++ to create </a:t>
             </a:r>
             <a:r>
@@ -4465,13 +4475,60 @@
             </a:r>
             <a:r>
               <a:rPr lang="en-GB" dirty="0"/>
-              <a:t> object pointers as return types, functions </a:t>
-            </a:r>
-            <a:r>
-              <a:rPr lang="en-GB"/>
-              <a:t>and arguments.</a:t>
-            </a:r>
-            <a:endParaRPr lang="en-GB" dirty="0"/>
+              <a:t> object pointers as return types, functions and arguments.</a:t>
+            </a:r>
+          </a:p>
+          <a:p>
+            <a:pPr lvl="2"/>
+            <a:r>
+              <a:rPr lang="en-GB" dirty="0" err="1"/>
+              <a:t>Const</a:t>
+            </a:r>
+            <a:r>
+              <a:rPr lang="en-GB" dirty="0"/>
+              <a:t> correctness is a compile time feature</a:t>
+            </a:r>
+          </a:p>
+          <a:p>
+            <a:pPr lvl="3"/>
+            <a:r>
+              <a:rPr lang="en-GB" dirty="0"/>
+              <a:t>It will stop code from compiling, rather than leaving you to find bugs/issues at runtime</a:t>
+            </a:r>
+          </a:p>
+          <a:p>
+            <a:pPr lvl="3"/>
+            <a:endParaRPr lang="en-GB" dirty="0"/>
+          </a:p>
+          <a:p>
+            <a:pPr lvl="2"/>
+            <a:r>
+              <a:rPr lang="en-GB" dirty="0" err="1"/>
+              <a:t>Const</a:t>
+            </a:r>
+            <a:r>
+              <a:rPr lang="en-GB" dirty="0"/>
+              <a:t> correctness will become pervasive in projects</a:t>
+            </a:r>
+          </a:p>
+          <a:p>
+            <a:pPr lvl="3"/>
+            <a:r>
+              <a:rPr lang="en-GB" dirty="0" err="1"/>
+              <a:t>Const</a:t>
+            </a:r>
+            <a:r>
+              <a:rPr lang="en-GB" dirty="0"/>
+              <a:t> return types will lead to </a:t>
+            </a:r>
+            <a:r>
+              <a:rPr lang="en-GB" dirty="0" err="1"/>
+              <a:t>const</a:t>
+            </a:r>
+            <a:r>
+              <a:rPr lang="en-GB" dirty="0"/>
+              <a:t> arguments in functions across the code base</a:t>
+            </a:r>
           </a:p>
           <a:p>
             <a:pPr lvl="3"/>
@@ -4555,6 +4612,565 @@
           <a:p>
             <a:pPr lvl="1"/>
             <a:r>
+              <a:rPr lang="en-GB" dirty="0" err="1"/>
+              <a:t>const</a:t>
+            </a:r>
+            <a:r>
+              <a:rPr lang="en-GB" dirty="0"/>
+              <a:t> correctness</a:t>
+            </a:r>
+          </a:p>
+          <a:p>
+            <a:pPr lvl="2"/>
+            <a:r>
+              <a:rPr lang="en-GB" dirty="0"/>
+              <a:t>A normal project</a:t>
+            </a:r>
+          </a:p>
+          <a:p>
+            <a:pPr lvl="3"/>
+            <a:r>
+              <a:rPr lang="en-GB" dirty="0">
+                <a:hlinkClick r:id="rId2"/>
+              </a:rPr>
+              <a:t>https://onlinegdb.com/rkwsL3iOH</a:t>
+            </a:r>
+            <a:endParaRPr lang="en-GB" dirty="0"/>
+          </a:p>
+          <a:p>
+            <a:pPr lvl="3"/>
+            <a:endParaRPr lang="en-GB" dirty="0"/>
+          </a:p>
+          <a:p>
+            <a:pPr lvl="3"/>
+            <a:endParaRPr lang="en-GB" dirty="0"/>
+          </a:p>
+          <a:p>
+            <a:pPr lvl="2"/>
+            <a:endParaRPr lang="en-GB" dirty="0"/>
+          </a:p>
+          <a:p>
+            <a:pPr lvl="2"/>
+            <a:endParaRPr lang="en-GB" dirty="0"/>
+          </a:p>
+          <a:p>
+            <a:pPr lvl="2"/>
+            <a:endParaRPr lang="en-GB" dirty="0"/>
+          </a:p>
+          <a:p>
+            <a:pPr lvl="2"/>
+            <a:endParaRPr lang="en-GB" dirty="0"/>
+          </a:p>
+          <a:p>
+            <a:pPr lvl="2"/>
+            <a:endParaRPr lang="en-GB" dirty="0"/>
+          </a:p>
+          <a:p>
+            <a:pPr lvl="3"/>
+            <a:endParaRPr lang="en-GB" dirty="0"/>
+          </a:p>
+          <a:p>
+            <a:pPr lvl="2"/>
+            <a:endParaRPr lang="en-GB" dirty="0"/>
+          </a:p>
+          <a:p>
+            <a:pPr lvl="2"/>
+            <a:endParaRPr lang="en-GB" dirty="0"/>
+          </a:p>
+          <a:p>
+            <a:pPr lvl="2"/>
+            <a:endParaRPr lang="en-GB" dirty="0"/>
+          </a:p>
+          <a:p>
+            <a:pPr lvl="1"/>
+            <a:endParaRPr lang="en-GB" dirty="0"/>
+          </a:p>
+        </p:txBody>
+      </p:sp>
+      <p:pic>
+        <p:nvPicPr>
+          <p:cNvPr id="2" name="Picture 1">
+            <a:extLst>
+              <a:ext uri="{FF2B5EF4-FFF2-40B4-BE49-F238E27FC236}">
+                <a16:creationId xmlns:a16="http://schemas.microsoft.com/office/drawing/2014/main" id="{C08C6A83-E79E-7B42-A2BB-EB9A52257B6F}"/>
+              </a:ext>
+            </a:extLst>
+          </p:cNvPr>
+          <p:cNvPicPr>
+            <a:picLocks noChangeAspect="1"/>
+          </p:cNvPicPr>
+          <p:nvPr/>
+        </p:nvPicPr>
+        <p:blipFill>
+          <a:blip r:embed="rId3"/>
+          <a:stretch>
+            <a:fillRect/>
+          </a:stretch>
+        </p:blipFill>
+        <p:spPr>
+          <a:xfrm>
+            <a:off x="2411760" y="2564904"/>
+            <a:ext cx="2349500" cy="1384300"/>
+          </a:xfrm>
+          <a:prstGeom prst="rect">
+            <a:avLst/>
+          </a:prstGeom>
+        </p:spPr>
+      </p:pic>
+      <p:pic>
+        <p:nvPicPr>
+          <p:cNvPr id="4" name="Picture 3">
+            <a:extLst>
+              <a:ext uri="{FF2B5EF4-FFF2-40B4-BE49-F238E27FC236}">
+                <a16:creationId xmlns:a16="http://schemas.microsoft.com/office/drawing/2014/main" id="{541BC732-9038-D74E-BFC4-917BBC5322D4}"/>
+              </a:ext>
+            </a:extLst>
+          </p:cNvPr>
+          <p:cNvPicPr>
+            <a:picLocks noChangeAspect="1"/>
+          </p:cNvPicPr>
+          <p:nvPr/>
+        </p:nvPicPr>
+        <p:blipFill>
+          <a:blip r:embed="rId4"/>
+          <a:stretch>
+            <a:fillRect/>
+          </a:stretch>
+        </p:blipFill>
+        <p:spPr>
+          <a:xfrm>
+            <a:off x="2339752" y="4253086"/>
+            <a:ext cx="2895600" cy="1092200"/>
+          </a:xfrm>
+          <a:prstGeom prst="rect">
+            <a:avLst/>
+          </a:prstGeom>
+        </p:spPr>
+      </p:pic>
+    </p:spTree>
+    <p:extLst>
+      <p:ext uri="{BB962C8B-B14F-4D97-AF65-F5344CB8AC3E}">
+        <p14:creationId xmlns:p14="http://schemas.microsoft.com/office/powerpoint/2010/main" val="4231821442"/>
+      </p:ext>
+    </p:extLst>
+  </p:cSld>
+  <p:clrMapOvr>
+    <a:masterClrMapping/>
+  </p:clrMapOvr>
+</p:sld>
+</file>
+
+<file path=ppt/slides/slide13.xml><?xml version="1.0" encoding="utf-8"?>
+<p:sld xmlns:a="http://schemas.openxmlformats.org/drawingml/2006/main" xmlns:r="http://schemas.openxmlformats.org/officeDocument/2006/relationships" xmlns:p="http://schemas.openxmlformats.org/presentationml/2006/main">
+  <p:cSld>
+    <p:spTree>
+      <p:nvGrpSpPr>
+        <p:cNvPr id="1" name=""/>
+        <p:cNvGrpSpPr/>
+        <p:nvPr/>
+      </p:nvGrpSpPr>
+      <p:grpSpPr>
+        <a:xfrm>
+          <a:off x="0" y="0"/>
+          <a:ext cx="0" cy="0"/>
+          <a:chOff x="0" y="0"/>
+          <a:chExt cx="0" cy="0"/>
+        </a:xfrm>
+      </p:grpSpPr>
+      <p:sp>
+        <p:nvSpPr>
+          <p:cNvPr id="3" name="Content Placeholder 2"/>
+          <p:cNvSpPr>
+            <a:spLocks noGrp="1"/>
+          </p:cNvSpPr>
+          <p:nvPr>
+            <p:ph idx="1"/>
+          </p:nvPr>
+        </p:nvSpPr>
+        <p:spPr>
+          <a:xfrm>
+            <a:off x="457200" y="548680"/>
+            <a:ext cx="8229600" cy="6192688"/>
+          </a:xfrm>
+        </p:spPr>
+        <p:txBody>
+          <a:bodyPr>
+            <a:normAutofit/>
+          </a:bodyPr>
+          <a:lstStyle/>
+          <a:p>
+            <a:r>
+              <a:rPr lang="en-GB" dirty="0"/>
+              <a:t>structs in C -&gt; classes in C++</a:t>
+            </a:r>
+          </a:p>
+          <a:p>
+            <a:pPr lvl="1"/>
+            <a:r>
+              <a:rPr lang="en-GB" dirty="0" err="1"/>
+              <a:t>const</a:t>
+            </a:r>
+            <a:r>
+              <a:rPr lang="en-GB" dirty="0"/>
+              <a:t> correctness</a:t>
+            </a:r>
+          </a:p>
+          <a:p>
+            <a:pPr lvl="2"/>
+            <a:r>
+              <a:rPr lang="en-GB" dirty="0"/>
+              <a:t>A normal project</a:t>
+            </a:r>
+          </a:p>
+          <a:p>
+            <a:pPr lvl="3"/>
+            <a:r>
+              <a:rPr lang="en-GB" dirty="0">
+                <a:hlinkClick r:id="rId2"/>
+              </a:rPr>
+              <a:t>https://onlinegdb.com/ByEC83suH</a:t>
+            </a:r>
+            <a:endParaRPr lang="en-GB" dirty="0"/>
+          </a:p>
+          <a:p>
+            <a:pPr lvl="2"/>
+            <a:endParaRPr lang="en-GB" dirty="0"/>
+          </a:p>
+          <a:p>
+            <a:pPr lvl="2"/>
+            <a:endParaRPr lang="en-GB" dirty="0"/>
+          </a:p>
+          <a:p>
+            <a:pPr lvl="2"/>
+            <a:endParaRPr lang="en-GB" dirty="0"/>
+          </a:p>
+          <a:p>
+            <a:pPr lvl="2"/>
+            <a:endParaRPr lang="en-GB" dirty="0"/>
+          </a:p>
+          <a:p>
+            <a:pPr lvl="2"/>
+            <a:endParaRPr lang="en-GB" dirty="0"/>
+          </a:p>
+          <a:p>
+            <a:pPr lvl="3"/>
+            <a:endParaRPr lang="en-GB" dirty="0"/>
+          </a:p>
+          <a:p>
+            <a:pPr lvl="2"/>
+            <a:endParaRPr lang="en-GB" dirty="0"/>
+          </a:p>
+          <a:p>
+            <a:pPr lvl="2"/>
+            <a:endParaRPr lang="en-GB" dirty="0"/>
+          </a:p>
+          <a:p>
+            <a:pPr lvl="2"/>
+            <a:endParaRPr lang="en-GB" dirty="0"/>
+          </a:p>
+          <a:p>
+            <a:pPr lvl="1"/>
+            <a:endParaRPr lang="en-GB" dirty="0"/>
+          </a:p>
+        </p:txBody>
+      </p:sp>
+      <p:pic>
+        <p:nvPicPr>
+          <p:cNvPr id="5" name="Picture 4">
+            <a:extLst>
+              <a:ext uri="{FF2B5EF4-FFF2-40B4-BE49-F238E27FC236}">
+                <a16:creationId xmlns:a16="http://schemas.microsoft.com/office/drawing/2014/main" id="{9535ED36-336A-3447-8796-3CA2C51C154E}"/>
+              </a:ext>
+            </a:extLst>
+          </p:cNvPr>
+          <p:cNvPicPr>
+            <a:picLocks noChangeAspect="1"/>
+          </p:cNvPicPr>
+          <p:nvPr/>
+        </p:nvPicPr>
+        <p:blipFill rotWithShape="1">
+          <a:blip r:embed="rId3"/>
+          <a:srcRect b="70194"/>
+          <a:stretch/>
+        </p:blipFill>
+        <p:spPr>
+          <a:xfrm>
+            <a:off x="2051720" y="2636912"/>
+            <a:ext cx="3556000" cy="1381646"/>
+          </a:xfrm>
+          <a:prstGeom prst="rect">
+            <a:avLst/>
+          </a:prstGeom>
+        </p:spPr>
+      </p:pic>
+      <p:pic>
+        <p:nvPicPr>
+          <p:cNvPr id="6" name="Picture 5">
+            <a:extLst>
+              <a:ext uri="{FF2B5EF4-FFF2-40B4-BE49-F238E27FC236}">
+                <a16:creationId xmlns:a16="http://schemas.microsoft.com/office/drawing/2014/main" id="{299BD9E3-7B30-EE4C-89E4-CC50F2B20CD7}"/>
+              </a:ext>
+            </a:extLst>
+          </p:cNvPr>
+          <p:cNvPicPr>
+            <a:picLocks noChangeAspect="1"/>
+          </p:cNvPicPr>
+          <p:nvPr/>
+        </p:nvPicPr>
+        <p:blipFill rotWithShape="1">
+          <a:blip r:embed="rId3"/>
+          <a:srcRect t="86991"/>
+          <a:stretch/>
+        </p:blipFill>
+        <p:spPr>
+          <a:xfrm>
+            <a:off x="2051720" y="4293096"/>
+            <a:ext cx="3556000" cy="603052"/>
+          </a:xfrm>
+          <a:prstGeom prst="rect">
+            <a:avLst/>
+          </a:prstGeom>
+        </p:spPr>
+      </p:pic>
+    </p:spTree>
+    <p:extLst>
+      <p:ext uri="{BB962C8B-B14F-4D97-AF65-F5344CB8AC3E}">
+        <p14:creationId xmlns:p14="http://schemas.microsoft.com/office/powerpoint/2010/main" val="396326725"/>
+      </p:ext>
+    </p:extLst>
+  </p:cSld>
+  <p:clrMapOvr>
+    <a:masterClrMapping/>
+  </p:clrMapOvr>
+</p:sld>
+</file>
+
+<file path=ppt/slides/slide14.xml><?xml version="1.0" encoding="utf-8"?>
+<p:sld xmlns:a="http://schemas.openxmlformats.org/drawingml/2006/main" xmlns:r="http://schemas.openxmlformats.org/officeDocument/2006/relationships" xmlns:p="http://schemas.openxmlformats.org/presentationml/2006/main">
+  <p:cSld>
+    <p:spTree>
+      <p:nvGrpSpPr>
+        <p:cNvPr id="1" name=""/>
+        <p:cNvGrpSpPr/>
+        <p:nvPr/>
+      </p:nvGrpSpPr>
+      <p:grpSpPr>
+        <a:xfrm>
+          <a:off x="0" y="0"/>
+          <a:ext cx="0" cy="0"/>
+          <a:chOff x="0" y="0"/>
+          <a:chExt cx="0" cy="0"/>
+        </a:xfrm>
+      </p:grpSpPr>
+      <p:sp>
+        <p:nvSpPr>
+          <p:cNvPr id="3" name="Content Placeholder 2"/>
+          <p:cNvSpPr>
+            <a:spLocks noGrp="1"/>
+          </p:cNvSpPr>
+          <p:nvPr>
+            <p:ph idx="1"/>
+          </p:nvPr>
+        </p:nvSpPr>
+        <p:spPr>
+          <a:xfrm>
+            <a:off x="457200" y="548680"/>
+            <a:ext cx="8229600" cy="6192688"/>
+          </a:xfrm>
+        </p:spPr>
+        <p:txBody>
+          <a:bodyPr>
+            <a:normAutofit/>
+          </a:bodyPr>
+          <a:lstStyle/>
+          <a:p>
+            <a:r>
+              <a:rPr lang="en-GB" dirty="0"/>
+              <a:t>structs in C -&gt; classes in C++</a:t>
+            </a:r>
+          </a:p>
+          <a:p>
+            <a:pPr lvl="1"/>
+            <a:r>
+              <a:rPr lang="en-GB" dirty="0" err="1"/>
+              <a:t>const</a:t>
+            </a:r>
+            <a:r>
+              <a:rPr lang="en-GB" dirty="0"/>
+              <a:t> correctness</a:t>
+            </a:r>
+          </a:p>
+          <a:p>
+            <a:pPr lvl="2"/>
+            <a:r>
+              <a:rPr lang="en-GB" dirty="0"/>
+              <a:t>A normal project</a:t>
+            </a:r>
+          </a:p>
+          <a:p>
+            <a:pPr lvl="3"/>
+            <a:r>
+              <a:rPr lang="en-GB" dirty="0">
+                <a:hlinkClick r:id="rId2"/>
+              </a:rPr>
+              <a:t>https://onlinegdb.com/ByEC83suH</a:t>
+            </a:r>
+            <a:endParaRPr lang="en-GB" dirty="0"/>
+          </a:p>
+          <a:p>
+            <a:pPr lvl="3"/>
+            <a:r>
+              <a:rPr lang="en-GB" dirty="0"/>
+              <a:t>Add </a:t>
+            </a:r>
+            <a:r>
+              <a:rPr lang="en-GB" dirty="0" err="1"/>
+              <a:t>const</a:t>
+            </a:r>
+            <a:r>
+              <a:rPr lang="en-GB" dirty="0"/>
+              <a:t> correctness to functions that are to take Data*</a:t>
+            </a:r>
+          </a:p>
+          <a:p>
+            <a:pPr lvl="3"/>
+            <a:r>
+              <a:rPr lang="en-GB" dirty="0"/>
+              <a:t>And functions that are members of the Data class</a:t>
+            </a:r>
+          </a:p>
+          <a:p>
+            <a:pPr lvl="2"/>
+            <a:endParaRPr lang="en-GB" dirty="0"/>
+          </a:p>
+          <a:p>
+            <a:pPr lvl="2"/>
+            <a:endParaRPr lang="en-GB" dirty="0"/>
+          </a:p>
+          <a:p>
+            <a:pPr lvl="2"/>
+            <a:endParaRPr lang="en-GB" dirty="0"/>
+          </a:p>
+          <a:p>
+            <a:pPr lvl="2"/>
+            <a:endParaRPr lang="en-GB" dirty="0"/>
+          </a:p>
+          <a:p>
+            <a:pPr lvl="2"/>
+            <a:endParaRPr lang="en-GB" dirty="0"/>
+          </a:p>
+          <a:p>
+            <a:pPr lvl="3"/>
+            <a:endParaRPr lang="en-GB" dirty="0"/>
+          </a:p>
+          <a:p>
+            <a:pPr lvl="2"/>
+            <a:endParaRPr lang="en-GB" dirty="0"/>
+          </a:p>
+          <a:p>
+            <a:pPr lvl="2"/>
+            <a:endParaRPr lang="en-GB" dirty="0"/>
+          </a:p>
+          <a:p>
+            <a:pPr lvl="2"/>
+            <a:endParaRPr lang="en-GB" dirty="0"/>
+          </a:p>
+          <a:p>
+            <a:pPr lvl="1"/>
+            <a:endParaRPr lang="en-GB" dirty="0"/>
+          </a:p>
+        </p:txBody>
+      </p:sp>
+      <p:pic>
+        <p:nvPicPr>
+          <p:cNvPr id="2" name="Picture 1">
+            <a:extLst>
+              <a:ext uri="{FF2B5EF4-FFF2-40B4-BE49-F238E27FC236}">
+                <a16:creationId xmlns:a16="http://schemas.microsoft.com/office/drawing/2014/main" id="{B4C42B13-D025-4F4E-9545-4E87D8D804B7}"/>
+              </a:ext>
+            </a:extLst>
+          </p:cNvPr>
+          <p:cNvPicPr>
+            <a:picLocks noChangeAspect="1"/>
+          </p:cNvPicPr>
+          <p:nvPr/>
+        </p:nvPicPr>
+        <p:blipFill>
+          <a:blip r:embed="rId3"/>
+          <a:stretch>
+            <a:fillRect/>
+          </a:stretch>
+        </p:blipFill>
+        <p:spPr>
+          <a:xfrm>
+            <a:off x="953852" y="3645024"/>
+            <a:ext cx="7236296" cy="2743875"/>
+          </a:xfrm>
+          <a:prstGeom prst="rect">
+            <a:avLst/>
+          </a:prstGeom>
+        </p:spPr>
+      </p:pic>
+    </p:spTree>
+    <p:extLst>
+      <p:ext uri="{BB962C8B-B14F-4D97-AF65-F5344CB8AC3E}">
+        <p14:creationId xmlns:p14="http://schemas.microsoft.com/office/powerpoint/2010/main" val="1553469298"/>
+      </p:ext>
+    </p:extLst>
+  </p:cSld>
+  <p:clrMapOvr>
+    <a:masterClrMapping/>
+  </p:clrMapOvr>
+</p:sld>
+</file>
+
+<file path=ppt/slides/slide15.xml><?xml version="1.0" encoding="utf-8"?>
+<p:sld xmlns:a="http://schemas.openxmlformats.org/drawingml/2006/main" xmlns:r="http://schemas.openxmlformats.org/officeDocument/2006/relationships" xmlns:p="http://schemas.openxmlformats.org/presentationml/2006/main">
+  <p:cSld>
+    <p:spTree>
+      <p:nvGrpSpPr>
+        <p:cNvPr id="1" name=""/>
+        <p:cNvGrpSpPr/>
+        <p:nvPr/>
+      </p:nvGrpSpPr>
+      <p:grpSpPr>
+        <a:xfrm>
+          <a:off x="0" y="0"/>
+          <a:ext cx="0" cy="0"/>
+          <a:chOff x="0" y="0"/>
+          <a:chExt cx="0" cy="0"/>
+        </a:xfrm>
+      </p:grpSpPr>
+      <p:sp>
+        <p:nvSpPr>
+          <p:cNvPr id="3" name="Content Placeholder 2"/>
+          <p:cNvSpPr>
+            <a:spLocks noGrp="1"/>
+          </p:cNvSpPr>
+          <p:nvPr>
+            <p:ph idx="1"/>
+          </p:nvPr>
+        </p:nvSpPr>
+        <p:spPr>
+          <a:xfrm>
+            <a:off x="457200" y="548680"/>
+            <a:ext cx="8229600" cy="6192688"/>
+          </a:xfrm>
+        </p:spPr>
+        <p:txBody>
+          <a:bodyPr>
+            <a:normAutofit/>
+          </a:bodyPr>
+          <a:lstStyle/>
+          <a:p>
+            <a:r>
+              <a:rPr lang="en-GB" dirty="0"/>
+              <a:t>structs in C -&gt; classes in C++</a:t>
+            </a:r>
+          </a:p>
+          <a:p>
+            <a:pPr lvl="1"/>
+            <a:r>
               <a:rPr lang="en-GB" dirty="0"/>
               <a:t>Programming tests with C/C++</a:t>
             </a:r>
@@ -4605,7 +5221,7 @@
             <a:pPr lvl="4"/>
             <a:r>
               <a:rPr lang="en-GB" dirty="0"/>
-              <a:t>Use </a:t>
+              <a:t>Use of </a:t>
             </a:r>
             <a:r>
               <a:rPr lang="en-GB" dirty="0" err="1"/>
@@ -4690,7 +5306,7 @@
 </p:sld>
 </file>
 
-<file path=ppt/slides/slide13.xml><?xml version="1.0" encoding="utf-8"?>
+<file path=ppt/slides/slide16.xml><?xml version="1.0" encoding="utf-8"?>
 <p:sld xmlns:a="http://schemas.openxmlformats.org/drawingml/2006/main" xmlns:r="http://schemas.openxmlformats.org/officeDocument/2006/relationships" xmlns:p="http://schemas.openxmlformats.org/presentationml/2006/main">
   <p:cSld>
     <p:spTree>
